--- a/Baseball Playoff Predictions PPT.pptx
+++ b/Baseball Playoff Predictions PPT.pptx
@@ -111,7 +111,178 @@
       </a:defRPr>
     </a:lvl9pPr>
   </p:defaultTextStyle>
+  <p:extLst>
+    <p:ext uri="{EFAFB233-063F-42B5-8137-9DF3F51BA10A}">
+      <p15:sldGuideLst xmlns:p15="http://schemas.microsoft.com/office/powerpoint/2012/main"/>
+    </p:ext>
+  </p:extLst>
 </p:presentation>
+</file>
+
+<file path=ppt/revisionInfo.xml><?xml version="1.0" encoding="utf-8"?>
+<p1510:revInfo xmlns:a="http://schemas.openxmlformats.org/drawingml/2006/main" xmlns:r="http://schemas.openxmlformats.org/officeDocument/2006/relationships" xmlns:p1510="http://schemas.microsoft.com/office/powerpoint/2015/10/main">
+  <p1510:revLst>
+    <p1510:client id="{C905FD9A-2F65-4947-A9EA-A3D00B5F3848}" v="10" dt="2023-02-16T04:12:54.002"/>
+  </p1510:revLst>
+</p1510:revInfo>
+</file>
+
+<file path=ppt/changesInfos/changesInfo1.xml><?xml version="1.0" encoding="utf-8"?>
+<pc:chgInfo xmlns:a="http://schemas.openxmlformats.org/drawingml/2006/main" xmlns:r="http://schemas.openxmlformats.org/officeDocument/2006/relationships" xmlns:ac="http://schemas.microsoft.com/office/drawing/2013/main/command" xmlns:pc="http://schemas.microsoft.com/office/powerpoint/2013/main/command">
+  <pc:docChgLst>
+    <pc:chgData name="Joshua Lensing" userId="22d600b0b0c26981" providerId="LiveId" clId="{C905FD9A-2F65-4947-A9EA-A3D00B5F3848}"/>
+    <pc:docChg chg="undo custSel modSld">
+      <pc:chgData name="Joshua Lensing" userId="22d600b0b0c26981" providerId="LiveId" clId="{C905FD9A-2F65-4947-A9EA-A3D00B5F3848}" dt="2023-02-16T04:18:00.076" v="777" actId="20577"/>
+      <pc:docMkLst>
+        <pc:docMk/>
+      </pc:docMkLst>
+      <pc:sldChg chg="modTransition">
+        <pc:chgData name="Joshua Lensing" userId="22d600b0b0c26981" providerId="LiveId" clId="{C905FD9A-2F65-4947-A9EA-A3D00B5F3848}" dt="2023-02-16T04:12:38.061" v="760"/>
+        <pc:sldMkLst>
+          <pc:docMk/>
+          <pc:sldMk cId="3511697031" sldId="256"/>
+        </pc:sldMkLst>
+      </pc:sldChg>
+      <pc:sldChg chg="modSp mod modTransition">
+        <pc:chgData name="Joshua Lensing" userId="22d600b0b0c26981" providerId="LiveId" clId="{C905FD9A-2F65-4947-A9EA-A3D00B5F3848}" dt="2023-02-16T04:18:00.076" v="777" actId="20577"/>
+        <pc:sldMkLst>
+          <pc:docMk/>
+          <pc:sldMk cId="3245341109" sldId="257"/>
+        </pc:sldMkLst>
+        <pc:spChg chg="mod">
+          <ac:chgData name="Joshua Lensing" userId="22d600b0b0c26981" providerId="LiveId" clId="{C905FD9A-2F65-4947-A9EA-A3D00B5F3848}" dt="2023-02-16T04:18:00.076" v="777" actId="20577"/>
+          <ac:spMkLst>
+            <pc:docMk/>
+            <pc:sldMk cId="3245341109" sldId="257"/>
+            <ac:spMk id="3" creationId="{830C63C8-CA55-4126-BAC2-1E5D96B9F792}"/>
+          </ac:spMkLst>
+        </pc:spChg>
+      </pc:sldChg>
+      <pc:sldChg chg="modTransition">
+        <pc:chgData name="Joshua Lensing" userId="22d600b0b0c26981" providerId="LiveId" clId="{C905FD9A-2F65-4947-A9EA-A3D00B5F3848}" dt="2023-02-16T04:12:41.832" v="762"/>
+        <pc:sldMkLst>
+          <pc:docMk/>
+          <pc:sldMk cId="1308939710" sldId="258"/>
+        </pc:sldMkLst>
+      </pc:sldChg>
+      <pc:sldChg chg="modTransition">
+        <pc:chgData name="Joshua Lensing" userId="22d600b0b0c26981" providerId="LiveId" clId="{C905FD9A-2F65-4947-A9EA-A3D00B5F3848}" dt="2023-02-16T04:12:44.539" v="763"/>
+        <pc:sldMkLst>
+          <pc:docMk/>
+          <pc:sldMk cId="969493579" sldId="259"/>
+        </pc:sldMkLst>
+      </pc:sldChg>
+      <pc:sldChg chg="modTransition">
+        <pc:chgData name="Joshua Lensing" userId="22d600b0b0c26981" providerId="LiveId" clId="{C905FD9A-2F65-4947-A9EA-A3D00B5F3848}" dt="2023-02-16T04:12:46.400" v="764"/>
+        <pc:sldMkLst>
+          <pc:docMk/>
+          <pc:sldMk cId="598947027" sldId="260"/>
+        </pc:sldMkLst>
+      </pc:sldChg>
+      <pc:sldChg chg="addSp delSp modSp mod modTransition setBg">
+        <pc:chgData name="Joshua Lensing" userId="22d600b0b0c26981" providerId="LiveId" clId="{C905FD9A-2F65-4947-A9EA-A3D00B5F3848}" dt="2023-02-16T04:12:50.233" v="765"/>
+        <pc:sldMkLst>
+          <pc:docMk/>
+          <pc:sldMk cId="3372988013" sldId="261"/>
+        </pc:sldMkLst>
+        <pc:spChg chg="mod">
+          <ac:chgData name="Joshua Lensing" userId="22d600b0b0c26981" providerId="LiveId" clId="{C905FD9A-2F65-4947-A9EA-A3D00B5F3848}" dt="2023-02-15T23:56:46.860" v="317" actId="26606"/>
+          <ac:spMkLst>
+            <pc:docMk/>
+            <pc:sldMk cId="3372988013" sldId="261"/>
+            <ac:spMk id="2" creationId="{7EF28174-CEC7-44CE-BFF8-616EF8AD832B}"/>
+          </ac:spMkLst>
+        </pc:spChg>
+        <pc:spChg chg="add del mod">
+          <ac:chgData name="Joshua Lensing" userId="22d600b0b0c26981" providerId="LiveId" clId="{C905FD9A-2F65-4947-A9EA-A3D00B5F3848}" dt="2023-02-15T23:56:46.860" v="317" actId="26606"/>
+          <ac:spMkLst>
+            <pc:docMk/>
+            <pc:sldMk cId="3372988013" sldId="261"/>
+            <ac:spMk id="3" creationId="{22FDC58A-D1DB-42F7-8908-B0627203A591}"/>
+          </ac:spMkLst>
+        </pc:spChg>
+        <pc:spChg chg="add mod">
+          <ac:chgData name="Joshua Lensing" userId="22d600b0b0c26981" providerId="LiveId" clId="{C905FD9A-2F65-4947-A9EA-A3D00B5F3848}" dt="2023-02-16T00:11:38.228" v="756" actId="1076"/>
+          <ac:spMkLst>
+            <pc:docMk/>
+            <pc:sldMk cId="3372988013" sldId="261"/>
+            <ac:spMk id="6" creationId="{F425AD0E-28AA-DCD6-521A-D92BE6CEE386}"/>
+          </ac:spMkLst>
+        </pc:spChg>
+        <pc:spChg chg="add mod">
+          <ac:chgData name="Joshua Lensing" userId="22d600b0b0c26981" providerId="LiveId" clId="{C905FD9A-2F65-4947-A9EA-A3D00B5F3848}" dt="2023-02-16T00:11:09.497" v="753" actId="27636"/>
+          <ac:spMkLst>
+            <pc:docMk/>
+            <pc:sldMk cId="3372988013" sldId="261"/>
+            <ac:spMk id="10" creationId="{22FDC58A-D1DB-42F7-8908-B0627203A591}"/>
+          </ac:spMkLst>
+        </pc:spChg>
+        <pc:graphicFrameChg chg="add del">
+          <ac:chgData name="Joshua Lensing" userId="22d600b0b0c26981" providerId="LiveId" clId="{C905FD9A-2F65-4947-A9EA-A3D00B5F3848}" dt="2023-02-15T23:56:46.860" v="316" actId="26606"/>
+          <ac:graphicFrameMkLst>
+            <pc:docMk/>
+            <pc:sldMk cId="3372988013" sldId="261"/>
+            <ac:graphicFrameMk id="8" creationId="{62250F29-959D-1B8F-FF07-A61933269E56}"/>
+          </ac:graphicFrameMkLst>
+        </pc:graphicFrameChg>
+        <pc:picChg chg="add mod">
+          <ac:chgData name="Joshua Lensing" userId="22d600b0b0c26981" providerId="LiveId" clId="{C905FD9A-2F65-4947-A9EA-A3D00B5F3848}" dt="2023-02-16T00:11:26.092" v="755" actId="14100"/>
+          <ac:picMkLst>
+            <pc:docMk/>
+            <pc:sldMk cId="3372988013" sldId="261"/>
+            <ac:picMk id="5" creationId="{9EFEFE01-8053-CB30-A10F-1BFF6D889586}"/>
+          </ac:picMkLst>
+        </pc:picChg>
+      </pc:sldChg>
+      <pc:sldChg chg="addSp modSp mod modTransition setBg">
+        <pc:chgData name="Joshua Lensing" userId="22d600b0b0c26981" providerId="LiveId" clId="{C905FD9A-2F65-4947-A9EA-A3D00B5F3848}" dt="2023-02-16T04:12:54.002" v="766"/>
+        <pc:sldMkLst>
+          <pc:docMk/>
+          <pc:sldMk cId="4225141385" sldId="262"/>
+        </pc:sldMkLst>
+        <pc:spChg chg="mod">
+          <ac:chgData name="Joshua Lensing" userId="22d600b0b0c26981" providerId="LiveId" clId="{C905FD9A-2F65-4947-A9EA-A3D00B5F3848}" dt="2023-02-16T00:12:15.066" v="757" actId="26606"/>
+          <ac:spMkLst>
+            <pc:docMk/>
+            <pc:sldMk cId="4225141385" sldId="262"/>
+            <ac:spMk id="2" creationId="{E74FD46B-50DD-4687-84CA-9A49D074F2FD}"/>
+          </ac:spMkLst>
+        </pc:spChg>
+        <pc:spChg chg="mod">
+          <ac:chgData name="Joshua Lensing" userId="22d600b0b0c26981" providerId="LiveId" clId="{C905FD9A-2F65-4947-A9EA-A3D00B5F3848}" dt="2023-02-16T00:12:15.066" v="757" actId="26606"/>
+          <ac:spMkLst>
+            <pc:docMk/>
+            <pc:sldMk cId="4225141385" sldId="262"/>
+            <ac:spMk id="3" creationId="{B918BF2B-3121-4B0F-84EA-E533239094EF}"/>
+          </ac:spMkLst>
+        </pc:spChg>
+        <pc:spChg chg="add">
+          <ac:chgData name="Joshua Lensing" userId="22d600b0b0c26981" providerId="LiveId" clId="{C905FD9A-2F65-4947-A9EA-A3D00B5F3848}" dt="2023-02-16T00:12:15.066" v="757" actId="26606"/>
+          <ac:spMkLst>
+            <pc:docMk/>
+            <pc:sldMk cId="4225141385" sldId="262"/>
+            <ac:spMk id="9" creationId="{3BCB5F6A-9EB0-40B0-9D13-3023E9A20508}"/>
+          </ac:spMkLst>
+        </pc:spChg>
+        <pc:picChg chg="add">
+          <ac:chgData name="Joshua Lensing" userId="22d600b0b0c26981" providerId="LiveId" clId="{C905FD9A-2F65-4947-A9EA-A3D00B5F3848}" dt="2023-02-16T00:12:15.066" v="757" actId="26606"/>
+          <ac:picMkLst>
+            <pc:docMk/>
+            <pc:sldMk cId="4225141385" sldId="262"/>
+            <ac:picMk id="5" creationId="{C05E1BB2-12A9-A454-1325-3112BFD1B04D}"/>
+          </ac:picMkLst>
+        </pc:picChg>
+      </pc:sldChg>
+      <pc:sldChg chg="modTransition">
+        <pc:chgData name="Joshua Lensing" userId="22d600b0b0c26981" providerId="LiveId" clId="{C905FD9A-2F65-4947-A9EA-A3D00B5F3848}" dt="2023-02-16T04:12:30.631" v="758"/>
+        <pc:sldMkLst>
+          <pc:docMk/>
+          <pc:sldMk cId="282380106" sldId="263"/>
+        </pc:sldMkLst>
+      </pc:sldChg>
+    </pc:docChg>
+  </pc:docChgLst>
+</pc:chgInfo>
 </file>
 
 <file path=ppt/slideLayouts/slideLayout1.xml><?xml version="1.0" encoding="utf-8"?>
@@ -836,7 +1007,7 @@
           <a:p>
             <a:fld id="{F869E339-0223-403E-870C-9E64F09EA2D2}" type="datetimeFigureOut">
               <a:rPr lang="en-US" smtClean="0"/>
-              <a:t>2/8/2023</a:t>
+              <a:t>2/15/2023</a:t>
             </a:fld>
             <a:endParaRPr lang="en-US"/>
           </a:p>
@@ -1087,7 +1258,7 @@
           <a:p>
             <a:fld id="{F869E339-0223-403E-870C-9E64F09EA2D2}" type="datetimeFigureOut">
               <a:rPr lang="en-US" smtClean="0"/>
-              <a:t>2/8/2023</a:t>
+              <a:t>2/15/2023</a:t>
             </a:fld>
             <a:endParaRPr lang="en-US"/>
           </a:p>
@@ -1401,7 +1572,7 @@
           <a:p>
             <a:fld id="{F869E339-0223-403E-870C-9E64F09EA2D2}" type="datetimeFigureOut">
               <a:rPr lang="en-US" smtClean="0"/>
-              <a:t>2/8/2023</a:t>
+              <a:t>2/15/2023</a:t>
             </a:fld>
             <a:endParaRPr lang="en-US"/>
           </a:p>
@@ -1742,7 +1913,7 @@
           <a:p>
             <a:fld id="{F869E339-0223-403E-870C-9E64F09EA2D2}" type="datetimeFigureOut">
               <a:rPr lang="en-US" smtClean="0"/>
-              <a:t>2/8/2023</a:t>
+              <a:t>2/15/2023</a:t>
             </a:fld>
             <a:endParaRPr lang="en-US"/>
           </a:p>
@@ -2056,7 +2227,7 @@
           <a:p>
             <a:fld id="{F869E339-0223-403E-870C-9E64F09EA2D2}" type="datetimeFigureOut">
               <a:rPr lang="en-US" smtClean="0"/>
-              <a:t>2/8/2023</a:t>
+              <a:t>2/15/2023</a:t>
             </a:fld>
             <a:endParaRPr lang="en-US"/>
           </a:p>
@@ -2449,7 +2620,7 @@
           <a:p>
             <a:fld id="{F869E339-0223-403E-870C-9E64F09EA2D2}" type="datetimeFigureOut">
               <a:rPr lang="en-US" smtClean="0"/>
-              <a:t>2/8/2023</a:t>
+              <a:t>2/15/2023</a:t>
             </a:fld>
             <a:endParaRPr lang="en-US"/>
           </a:p>
@@ -2619,7 +2790,7 @@
           <a:p>
             <a:fld id="{F869E339-0223-403E-870C-9E64F09EA2D2}" type="datetimeFigureOut">
               <a:rPr lang="en-US" smtClean="0"/>
-              <a:t>2/8/2023</a:t>
+              <a:t>2/15/2023</a:t>
             </a:fld>
             <a:endParaRPr lang="en-US"/>
           </a:p>
@@ -2799,7 +2970,7 @@
           <a:p>
             <a:fld id="{F869E339-0223-403E-870C-9E64F09EA2D2}" type="datetimeFigureOut">
               <a:rPr lang="en-US" smtClean="0"/>
-              <a:t>2/8/2023</a:t>
+              <a:t>2/15/2023</a:t>
             </a:fld>
             <a:endParaRPr lang="en-US"/>
           </a:p>
@@ -2975,7 +3146,7 @@
           <a:p>
             <a:fld id="{F869E339-0223-403E-870C-9E64F09EA2D2}" type="datetimeFigureOut">
               <a:rPr lang="en-US" smtClean="0"/>
-              <a:t>2/8/2023</a:t>
+              <a:t>2/15/2023</a:t>
             </a:fld>
             <a:endParaRPr lang="en-US"/>
           </a:p>
@@ -3222,7 +3393,7 @@
           <a:p>
             <a:fld id="{F869E339-0223-403E-870C-9E64F09EA2D2}" type="datetimeFigureOut">
               <a:rPr lang="en-US" smtClean="0"/>
-              <a:t>2/8/2023</a:t>
+              <a:t>2/15/2023</a:t>
             </a:fld>
             <a:endParaRPr lang="en-US"/>
           </a:p>
@@ -3454,7 +3625,7 @@
           <a:p>
             <a:fld id="{F869E339-0223-403E-870C-9E64F09EA2D2}" type="datetimeFigureOut">
               <a:rPr lang="en-US" smtClean="0"/>
-              <a:t>2/8/2023</a:t>
+              <a:t>2/15/2023</a:t>
             </a:fld>
             <a:endParaRPr lang="en-US"/>
           </a:p>
@@ -3828,7 +3999,7 @@
           <a:p>
             <a:fld id="{F869E339-0223-403E-870C-9E64F09EA2D2}" type="datetimeFigureOut">
               <a:rPr lang="en-US" smtClean="0"/>
-              <a:t>2/8/2023</a:t>
+              <a:t>2/15/2023</a:t>
             </a:fld>
             <a:endParaRPr lang="en-US"/>
           </a:p>
@@ -3951,7 +4122,7 @@
           <a:p>
             <a:fld id="{F869E339-0223-403E-870C-9E64F09EA2D2}" type="datetimeFigureOut">
               <a:rPr lang="en-US" smtClean="0"/>
-              <a:t>2/8/2023</a:t>
+              <a:t>2/15/2023</a:t>
             </a:fld>
             <a:endParaRPr lang="en-US"/>
           </a:p>
@@ -4046,7 +4217,7 @@
           <a:p>
             <a:fld id="{F869E339-0223-403E-870C-9E64F09EA2D2}" type="datetimeFigureOut">
               <a:rPr lang="en-US" smtClean="0"/>
-              <a:t>2/8/2023</a:t>
+              <a:t>2/15/2023</a:t>
             </a:fld>
             <a:endParaRPr lang="en-US"/>
           </a:p>
@@ -4301,7 +4472,7 @@
           <a:p>
             <a:fld id="{F869E339-0223-403E-870C-9E64F09EA2D2}" type="datetimeFigureOut">
               <a:rPr lang="en-US" smtClean="0"/>
-              <a:t>2/8/2023</a:t>
+              <a:t>2/15/2023</a:t>
             </a:fld>
             <a:endParaRPr lang="en-US"/>
           </a:p>
@@ -4564,7 +4735,7 @@
           <a:p>
             <a:fld id="{F869E339-0223-403E-870C-9E64F09EA2D2}" type="datetimeFigureOut">
               <a:rPr lang="en-US" smtClean="0"/>
-              <a:t>2/8/2023</a:t>
+              <a:t>2/15/2023</a:t>
             </a:fld>
             <a:endParaRPr lang="en-US"/>
           </a:p>
@@ -5307,7 +5478,7 @@
           <a:p>
             <a:fld id="{F869E339-0223-403E-870C-9E64F09EA2D2}" type="datetimeFigureOut">
               <a:rPr lang="en-US" smtClean="0"/>
-              <a:t>2/8/2023</a:t>
+              <a:t>2/15/2023</a:t>
             </a:fld>
             <a:endParaRPr lang="en-US"/>
           </a:p>
@@ -6014,7 +6185,15 @@
           <a:p>
             <a:r>
               <a:rPr lang="en-US" dirty="0"/>
-              <a:t>The idea of “Moneyball” can create teams using ambiguous statistics without an expensive payroll.</a:t>
+              <a:t>The idea of “Moneyball</a:t>
+            </a:r>
+            <a:r>
+              <a:rPr lang="en-US"/>
+              <a:t>” can be used to </a:t>
+            </a:r>
+            <a:r>
+              <a:rPr lang="en-US" dirty="0"/>
+              <a:t>create teams using ambiguous statistics without an expensive payroll.</a:t>
             </a:r>
           </a:p>
           <a:p>
@@ -6041,6 +6220,18 @@
   <p:clrMapOvr>
     <a:masterClrMapping/>
   </p:clrMapOvr>
+  <mc:AlternateContent xmlns:mc="http://schemas.openxmlformats.org/markup-compatibility/2006">
+    <mc:Choice xmlns:p14="http://schemas.microsoft.com/office/powerpoint/2010/main" Requires="p14">
+      <p:transition spd="med" p14:dur="700">
+        <p:fade/>
+      </p:transition>
+    </mc:Choice>
+    <mc:Fallback>
+      <p:transition spd="med">
+        <p:fade/>
+      </p:transition>
+    </mc:Fallback>
+  </mc:AlternateContent>
 </p:sld>
 </file>
 
@@ -6145,6 +6336,18 @@
   <p:clrMapOvr>
     <a:masterClrMapping/>
   </p:clrMapOvr>
+  <mc:AlternateContent xmlns:mc="http://schemas.openxmlformats.org/markup-compatibility/2006">
+    <mc:Choice xmlns:p14="http://schemas.microsoft.com/office/powerpoint/2010/main" Requires="p14">
+      <p:transition spd="med" p14:dur="700">
+        <p:fade/>
+      </p:transition>
+    </mc:Choice>
+    <mc:Fallback>
+      <p:transition spd="med">
+        <p:fade/>
+      </p:transition>
+    </mc:Fallback>
+  </mc:AlternateContent>
 </p:sld>
 </file>
 
@@ -6472,6 +6675,18 @@
   <p:clrMapOvr>
     <a:masterClrMapping/>
   </p:clrMapOvr>
+  <mc:AlternateContent xmlns:mc="http://schemas.openxmlformats.org/markup-compatibility/2006">
+    <mc:Choice xmlns:p14="http://schemas.microsoft.com/office/powerpoint/2010/main" Requires="p14">
+      <p:transition spd="med" p14:dur="700">
+        <p:fade/>
+      </p:transition>
+    </mc:Choice>
+    <mc:Fallback>
+      <p:transition spd="med">
+        <p:fade/>
+      </p:transition>
+    </mc:Fallback>
+  </mc:AlternateContent>
 </p:sld>
 </file>
 
@@ -6634,12 +6849,32 @@
   <p:clrMapOvr>
     <a:masterClrMapping/>
   </p:clrMapOvr>
+  <mc:AlternateContent xmlns:mc="http://schemas.openxmlformats.org/markup-compatibility/2006">
+    <mc:Choice xmlns:p14="http://schemas.microsoft.com/office/powerpoint/2010/main" Requires="p14">
+      <p:transition spd="med" p14:dur="700">
+        <p:fade/>
+      </p:transition>
+    </mc:Choice>
+    <mc:Fallback>
+      <p:transition spd="med">
+        <p:fade/>
+      </p:transition>
+    </mc:Fallback>
+  </mc:AlternateContent>
 </p:sld>
 </file>
 
 <file path=ppt/slides/slide6.xml><?xml version="1.0" encoding="utf-8"?>
 <p:sld xmlns:a="http://schemas.openxmlformats.org/drawingml/2006/main" xmlns:r="http://schemas.openxmlformats.org/officeDocument/2006/relationships" xmlns:p="http://schemas.openxmlformats.org/presentationml/2006/main">
   <p:cSld>
+    <p:bg>
+      <p:bgPr>
+        <a:solidFill>
+          <a:schemeClr val="bg1"/>
+        </a:solidFill>
+        <a:effectLst/>
+      </p:bgPr>
+    </p:bg>
     <p:spTree>
       <p:nvGrpSpPr>
         <p:cNvPr id="1" name=""/>
@@ -6670,16 +6905,20 @@
             <p:ph type="title"/>
           </p:nvPr>
         </p:nvSpPr>
-        <p:spPr/>
+        <p:spPr>
+          <a:xfrm>
+            <a:off x="677334" y="609600"/>
+            <a:ext cx="8596668" cy="1320800"/>
+          </a:xfrm>
+        </p:spPr>
         <p:txBody>
           <a:bodyPr>
             <a:normAutofit/>
           </a:bodyPr>
           <a:lstStyle/>
           <a:p>
-            <a:pPr algn="ctr"/>
-            <a:r>
-              <a:rPr lang="en-US" sz="4000" dirty="0"/>
+            <a:r>
+              <a:rPr lang="en-US"/>
               <a:t>Strengths of Chosen Model</a:t>
             </a:r>
           </a:p>
@@ -6687,7 +6926,7 @@
       </p:sp>
       <p:sp>
         <p:nvSpPr>
-          <p:cNvPr id="3" name="Content Placeholder 2">
+          <p:cNvPr id="10" name="Content Placeholder 2">
             <a:extLst>
               <a:ext uri="{FF2B5EF4-FFF2-40B4-BE49-F238E27FC236}">
                 <a16:creationId xmlns:a16="http://schemas.microsoft.com/office/drawing/2014/main" id="{22FDC58A-D1DB-42F7-8908-B0627203A591}"/>
@@ -6701,20 +6940,129 @@
             <p:ph idx="1"/>
           </p:nvPr>
         </p:nvSpPr>
-        <p:spPr/>
-        <p:txBody>
-          <a:bodyPr/>
-          <a:lstStyle/>
-          <a:p>
-            <a:r>
-              <a:rPr lang="en-US" dirty="0"/>
+        <p:spPr>
+          <a:xfrm>
+            <a:off x="1015345" y="2406910"/>
+            <a:ext cx="4642304" cy="4103071"/>
+          </a:xfrm>
+        </p:spPr>
+        <p:txBody>
+          <a:bodyPr>
+            <a:normAutofit/>
+          </a:bodyPr>
+          <a:lstStyle/>
+          <a:p>
+            <a:pPr>
+              <a:lnSpc>
+                <a:spcPct val="90000"/>
+              </a:lnSpc>
+            </a:pPr>
+            <a:r>
+              <a:rPr lang="en-US" sz="1600" dirty="0"/>
               <a:t>The model chosen had a recall score of 0.90, which means that the model was able to correctly predict a playoff team 90% of the time.</a:t>
             </a:r>
           </a:p>
           <a:p>
-            <a:r>
-              <a:rPr lang="en-US" dirty="0"/>
-              <a:t>The game of baseball contains many factors that may not be quantifiable, such as team comradery or strength of leadership from the coaches or front office, so 90% is a great number to work to predict making the playoffs.</a:t>
+            <a:pPr>
+              <a:lnSpc>
+                <a:spcPct val="90000"/>
+              </a:lnSpc>
+            </a:pPr>
+            <a:r>
+              <a:rPr lang="en-US" sz="1600" dirty="0"/>
+              <a:t>The recall score for non-playoff teams gave a 91% chance of the model correctly predicting teams that would not make the playoffs.</a:t>
+            </a:r>
+          </a:p>
+          <a:p>
+            <a:pPr>
+              <a:lnSpc>
+                <a:spcPct val="90000"/>
+              </a:lnSpc>
+            </a:pPr>
+            <a:r>
+              <a:rPr lang="en-US" sz="1600" dirty="0"/>
+              <a:t>The error rates for incorrectly predicting playoff and non-playoff teams was about 10%. In a game filled with many outcomes, the ability to correctly predict if a team can or cannot make the playoffs 90% of the time can greatly help contribute to building a team with the right players.</a:t>
+            </a:r>
+          </a:p>
+          <a:p>
+            <a:pPr>
+              <a:lnSpc>
+                <a:spcPct val="90000"/>
+              </a:lnSpc>
+            </a:pPr>
+            <a:endParaRPr lang="en-US" sz="1600" dirty="0"/>
+          </a:p>
+        </p:txBody>
+      </p:sp>
+      <p:pic>
+        <p:nvPicPr>
+          <p:cNvPr id="5" name="Picture 4">
+            <a:extLst>
+              <a:ext uri="{FF2B5EF4-FFF2-40B4-BE49-F238E27FC236}">
+                <a16:creationId xmlns:a16="http://schemas.microsoft.com/office/drawing/2014/main" id="{9EFEFE01-8053-CB30-A10F-1BFF6D889586}"/>
+              </a:ext>
+            </a:extLst>
+          </p:cNvPr>
+          <p:cNvPicPr>
+            <a:picLocks noChangeAspect="1"/>
+          </p:cNvPicPr>
+          <p:nvPr/>
+        </p:nvPicPr>
+        <p:blipFill>
+          <a:blip r:embed="rId2"/>
+          <a:stretch>
+            <a:fillRect/>
+          </a:stretch>
+        </p:blipFill>
+        <p:spPr>
+          <a:xfrm>
+            <a:off x="5657649" y="2637099"/>
+            <a:ext cx="3617457" cy="2972131"/>
+          </a:xfrm>
+          <a:prstGeom prst="rect">
+            <a:avLst/>
+          </a:prstGeom>
+        </p:spPr>
+      </p:pic>
+      <p:sp>
+        <p:nvSpPr>
+          <p:cNvPr id="6" name="TextBox 5">
+            <a:extLst>
+              <a:ext uri="{FF2B5EF4-FFF2-40B4-BE49-F238E27FC236}">
+                <a16:creationId xmlns:a16="http://schemas.microsoft.com/office/drawing/2014/main" id="{F425AD0E-28AA-DCD6-521A-D92BE6CEE386}"/>
+              </a:ext>
+            </a:extLst>
+          </p:cNvPr>
+          <p:cNvSpPr txBox="1"/>
+          <p:nvPr/>
+        </p:nvSpPr>
+        <p:spPr>
+          <a:xfrm>
+            <a:off x="5925084" y="2367723"/>
+            <a:ext cx="3052553" cy="246323"/>
+          </a:xfrm>
+          <a:prstGeom prst="rect">
+            <a:avLst/>
+          </a:prstGeom>
+          <a:noFill/>
+        </p:spPr>
+        <p:txBody>
+          <a:bodyPr wrap="square" rtlCol="0">
+            <a:noAutofit/>
+          </a:bodyPr>
+          <a:lstStyle/>
+          <a:p>
+            <a:pPr>
+              <a:lnSpc>
+                <a:spcPct val="90000"/>
+              </a:lnSpc>
+              <a:spcAft>
+                <a:spcPts val="600"/>
+              </a:spcAft>
+            </a:pPr>
+            <a:r>
+              <a:rPr lang="en-US" sz="1200" b="1" dirty="0"/>
+              <a:t>Confusion Matrix for Prediction Scores</a:t>
             </a:r>
           </a:p>
         </p:txBody>
@@ -6729,12 +7077,32 @@
   <p:clrMapOvr>
     <a:masterClrMapping/>
   </p:clrMapOvr>
+  <mc:AlternateContent xmlns:mc="http://schemas.openxmlformats.org/markup-compatibility/2006">
+    <mc:Choice xmlns:p14="http://schemas.microsoft.com/office/powerpoint/2010/main" Requires="p14">
+      <p:transition spd="med" p14:dur="700">
+        <p:fade/>
+      </p:transition>
+    </mc:Choice>
+    <mc:Fallback>
+      <p:transition spd="med">
+        <p:fade/>
+      </p:transition>
+    </mc:Fallback>
+  </mc:AlternateContent>
 </p:sld>
 </file>
 
 <file path=ppt/slides/slide7.xml><?xml version="1.0" encoding="utf-8"?>
 <p:sld xmlns:a="http://schemas.openxmlformats.org/drawingml/2006/main" xmlns:r="http://schemas.openxmlformats.org/officeDocument/2006/relationships" xmlns:p="http://schemas.openxmlformats.org/presentationml/2006/main">
   <p:cSld>
+    <p:bg>
+      <p:bgPr>
+        <a:solidFill>
+          <a:schemeClr val="bg1"/>
+        </a:solidFill>
+        <a:effectLst/>
+      </p:bgPr>
+    </p:bg>
     <p:spTree>
       <p:nvGrpSpPr>
         <p:cNvPr id="1" name=""/>
@@ -6765,16 +7133,20 @@
             <p:ph type="title"/>
           </p:nvPr>
         </p:nvSpPr>
-        <p:spPr/>
+        <p:spPr>
+          <a:xfrm>
+            <a:off x="5536734" y="609600"/>
+            <a:ext cx="3737268" cy="1320800"/>
+          </a:xfrm>
+        </p:spPr>
         <p:txBody>
           <a:bodyPr>
             <a:normAutofit/>
           </a:bodyPr>
           <a:lstStyle/>
           <a:p>
-            <a:pPr algn="ctr"/>
-            <a:r>
-              <a:rPr lang="en-US" sz="4000" dirty="0"/>
+            <a:r>
+              <a:rPr lang="en-US"/>
               <a:t>Model Limitations</a:t>
             </a:r>
           </a:p>
@@ -6796,29 +7168,163 @@
             <p:ph idx="1"/>
           </p:nvPr>
         </p:nvSpPr>
-        <p:spPr/>
-        <p:txBody>
-          <a:bodyPr/>
-          <a:lstStyle/>
-          <a:p>
-            <a:r>
-              <a:rPr lang="en-US" dirty="0"/>
+        <p:spPr>
+          <a:xfrm>
+            <a:off x="5209563" y="2160589"/>
+            <a:ext cx="4064439" cy="3880773"/>
+          </a:xfrm>
+        </p:spPr>
+        <p:txBody>
+          <a:bodyPr>
+            <a:normAutofit/>
+          </a:bodyPr>
+          <a:lstStyle/>
+          <a:p>
+            <a:pPr>
+              <a:lnSpc>
+                <a:spcPct val="90000"/>
+              </a:lnSpc>
+            </a:pPr>
+            <a:r>
+              <a:rPr lang="en-US" sz="1500"/>
               <a:t>Pitching stats were not included in the dataset. A more complex dataset may help improve the model’s ability to predict playoff teams.</a:t>
             </a:r>
           </a:p>
           <a:p>
-            <a:r>
-              <a:rPr lang="en-US" dirty="0"/>
+            <a:pPr>
+              <a:lnSpc>
+                <a:spcPct val="90000"/>
+              </a:lnSpc>
+            </a:pPr>
+            <a:r>
+              <a:rPr lang="en-US" sz="1500"/>
               <a:t>The number of teams that make the playoffs are far lower compared to those that don’t, which is the nature of the sport. The large imbalance limits the model to predict with the same accuracy for playoff and non-playoff teams.</a:t>
             </a:r>
           </a:p>
           <a:p>
-            <a:r>
-              <a:rPr lang="en-US" dirty="0"/>
+            <a:pPr>
+              <a:lnSpc>
+                <a:spcPct val="90000"/>
+              </a:lnSpc>
+            </a:pPr>
+            <a:r>
+              <a:rPr lang="en-US" sz="1500"/>
               <a:t>The stats for playoff teams differ from year to year, depending on the success of the top teams. This also limits the model’s ability to learn which stats lead to playoff teams.</a:t>
             </a:r>
           </a:p>
         </p:txBody>
+      </p:sp>
+      <p:pic>
+        <p:nvPicPr>
+          <p:cNvPr id="5" name="Picture 4" descr="Batting a baseball">
+            <a:extLst>
+              <a:ext uri="{FF2B5EF4-FFF2-40B4-BE49-F238E27FC236}">
+                <a16:creationId xmlns:a16="http://schemas.microsoft.com/office/drawing/2014/main" id="{C05E1BB2-12A9-A454-1325-3112BFD1B04D}"/>
+              </a:ext>
+            </a:extLst>
+          </p:cNvPr>
+          <p:cNvPicPr>
+            <a:picLocks noChangeAspect="1"/>
+          </p:cNvPicPr>
+          <p:nvPr/>
+        </p:nvPicPr>
+        <p:blipFill rotWithShape="1">
+          <a:blip r:embed="rId2"/>
+          <a:srcRect l="8772" r="38915"/>
+          <a:stretch/>
+        </p:blipFill>
+        <p:spPr>
+          <a:xfrm>
+            <a:off x="20" y="-1"/>
+            <a:ext cx="5394940" cy="6858001"/>
+          </a:xfrm>
+          <a:custGeom>
+            <a:avLst/>
+            <a:gdLst/>
+            <a:ahLst/>
+            <a:cxnLst/>
+            <a:rect l="l" t="t" r="r" b="b"/>
+            <a:pathLst>
+              <a:path w="5394960" h="6858000">
+                <a:moveTo>
+                  <a:pt x="842596" y="0"/>
+                </a:moveTo>
+                <a:lnTo>
+                  <a:pt x="5394960" y="0"/>
+                </a:lnTo>
+                <a:lnTo>
+                  <a:pt x="5394960" y="21851"/>
+                </a:lnTo>
+                <a:lnTo>
+                  <a:pt x="4365943" y="6858000"/>
+                </a:lnTo>
+                <a:lnTo>
+                  <a:pt x="0" y="6858000"/>
+                </a:lnTo>
+                <a:lnTo>
+                  <a:pt x="0" y="5666154"/>
+                </a:lnTo>
+                <a:close/>
+              </a:path>
+            </a:pathLst>
+          </a:custGeom>
+        </p:spPr>
+      </p:pic>
+      <p:sp>
+        <p:nvSpPr>
+          <p:cNvPr id="9" name="Isosceles Triangle 8">
+            <a:extLst>
+              <a:ext uri="{FF2B5EF4-FFF2-40B4-BE49-F238E27FC236}">
+                <a16:creationId xmlns:a16="http://schemas.microsoft.com/office/drawing/2014/main" id="{3BCB5F6A-9EB0-40B0-9D13-3023E9A20508}"/>
+              </a:ext>
+              <a:ext uri="{C183D7F6-B498-43B3-948B-1728B52AA6E4}">
+                <adec:decorative xmlns:adec="http://schemas.microsoft.com/office/drawing/2017/decorative" val="1"/>
+              </a:ext>
+            </a:extLst>
+          </p:cNvPr>
+          <p:cNvSpPr>
+            <a:spLocks noGrp="1" noRot="1" noChangeAspect="1" noMove="1" noResize="1" noEditPoints="1" noAdjustHandles="1" noChangeArrowheads="1" noChangeShapeType="1" noTextEdit="1"/>
+          </p:cNvSpPr>
+          <p:nvPr>
+            <p:extLst>
+              <p:ext uri="{386F3935-93C4-4BCD-93E2-E3B085C9AB24}">
+                <p16:designElem xmlns:p16="http://schemas.microsoft.com/office/powerpoint/2015/main" val="1"/>
+              </p:ext>
+            </p:extLst>
+          </p:nvPr>
+        </p:nvSpPr>
+        <p:spPr>
+          <a:xfrm rot="10800000">
+            <a:off x="0" y="0"/>
+            <a:ext cx="842596" cy="5666154"/>
+          </a:xfrm>
+          <a:prstGeom prst="triangle">
+            <a:avLst>
+              <a:gd name="adj" fmla="val 100000"/>
+            </a:avLst>
+          </a:prstGeom>
+          <a:solidFill>
+            <a:schemeClr val="accent1"/>
+          </a:solidFill>
+          <a:ln>
+            <a:noFill/>
+          </a:ln>
+          <a:effectLst/>
+        </p:spPr>
+        <p:style>
+          <a:lnRef idx="1">
+            <a:schemeClr val="accent1"/>
+          </a:lnRef>
+          <a:fillRef idx="3">
+            <a:schemeClr val="accent1"/>
+          </a:fillRef>
+          <a:effectRef idx="2">
+            <a:schemeClr val="accent1"/>
+          </a:effectRef>
+          <a:fontRef idx="minor">
+            <a:schemeClr val="lt1"/>
+          </a:fontRef>
+        </p:style>
       </p:sp>
     </p:spTree>
     <p:extLst>
@@ -6830,6 +7336,18 @@
   <p:clrMapOvr>
     <a:masterClrMapping/>
   </p:clrMapOvr>
+  <mc:AlternateContent xmlns:mc="http://schemas.openxmlformats.org/markup-compatibility/2006">
+    <mc:Choice xmlns:p14="http://schemas.microsoft.com/office/powerpoint/2010/main" Requires="p14">
+      <p:transition spd="med" p14:dur="700">
+        <p:fade/>
+      </p:transition>
+    </mc:Choice>
+    <mc:Fallback>
+      <p:transition spd="med">
+        <p:fade/>
+      </p:transition>
+    </mc:Fallback>
+  </mc:AlternateContent>
 </p:sld>
 </file>
 
@@ -6938,6 +7456,18 @@
   <p:clrMapOvr>
     <a:masterClrMapping/>
   </p:clrMapOvr>
+  <mc:AlternateContent xmlns:mc="http://schemas.openxmlformats.org/markup-compatibility/2006">
+    <mc:Choice xmlns:p14="http://schemas.microsoft.com/office/powerpoint/2010/main" Requires="p14">
+      <p:transition spd="med" p14:dur="700">
+        <p:fade/>
+      </p:transition>
+    </mc:Choice>
+    <mc:Fallback>
+      <p:transition spd="med">
+        <p:fade/>
+      </p:transition>
+    </mc:Fallback>
+  </mc:AlternateContent>
 </p:sld>
 </file>
 
